--- a/img/pin_map_2040.pptx
+++ b/img/pin_map_2040.pptx
@@ -3374,7 +3374,7 @@
         </p:nvGrpSpPr>
         <p:grpSpPr>
           <a:xfrm>
-            <a:off x="3371921" y="350494"/>
+            <a:off x="1085921" y="299694"/>
             <a:ext cx="5785189" cy="3867150"/>
             <a:chOff x="1838689" y="350494"/>
             <a:chExt cx="5785189" cy="3867150"/>
@@ -3879,7 +3879,7 @@
         </p:nvSpPr>
         <p:spPr>
           <a:xfrm>
-            <a:off x="4486350" y="4135518"/>
+            <a:off x="7115250" y="1570118"/>
             <a:ext cx="6347976" cy="2205732"/>
           </a:xfrm>
           <a:prstGeom prst="rect">
@@ -4052,7 +4052,7 @@
         </p:nvGrpSpPr>
         <p:grpSpPr>
           <a:xfrm>
-            <a:off x="4204731" y="4166558"/>
+            <a:off x="6833631" y="1601158"/>
             <a:ext cx="260762" cy="1285852"/>
             <a:chOff x="4382532" y="4124223"/>
             <a:chExt cx="260762" cy="1285852"/>

--- a/img/pin_map_2040.pptx
+++ b/img/pin_map_2040.pptx
@@ -7,6 +7,7 @@
   <p:sldIdLst>
     <p:sldId id="256" r:id="rId2"/>
     <p:sldId id="258" r:id="rId3"/>
+    <p:sldId id="259" r:id="rId4"/>
   </p:sldIdLst>
   <p:sldSz cx="12192000" cy="6858000"/>
   <p:notesSz cx="6858000" cy="9144000"/>
@@ -274,7 +275,7 @@
           <a:p>
             <a:fld id="{6BAEC7DB-416E-4648-AE31-15D6F0A9A9FB}" type="datetimeFigureOut">
               <a:rPr lang="en-US" smtClean="0"/>
-              <a:t>8/10/2018</a:t>
+              <a:t>8/13/2018</a:t>
             </a:fld>
             <a:endParaRPr lang="en-US"/>
           </a:p>
@@ -474,7 +475,7 @@
           <a:p>
             <a:fld id="{6BAEC7DB-416E-4648-AE31-15D6F0A9A9FB}" type="datetimeFigureOut">
               <a:rPr lang="en-US" smtClean="0"/>
-              <a:t>8/10/2018</a:t>
+              <a:t>8/13/2018</a:t>
             </a:fld>
             <a:endParaRPr lang="en-US"/>
           </a:p>
@@ -684,7 +685,7 @@
           <a:p>
             <a:fld id="{6BAEC7DB-416E-4648-AE31-15D6F0A9A9FB}" type="datetimeFigureOut">
               <a:rPr lang="en-US" smtClean="0"/>
-              <a:t>8/10/2018</a:t>
+              <a:t>8/13/2018</a:t>
             </a:fld>
             <a:endParaRPr lang="en-US"/>
           </a:p>
@@ -884,7 +885,7 @@
           <a:p>
             <a:fld id="{6BAEC7DB-416E-4648-AE31-15D6F0A9A9FB}" type="datetimeFigureOut">
               <a:rPr lang="en-US" smtClean="0"/>
-              <a:t>8/10/2018</a:t>
+              <a:t>8/13/2018</a:t>
             </a:fld>
             <a:endParaRPr lang="en-US"/>
           </a:p>
@@ -1160,7 +1161,7 @@
           <a:p>
             <a:fld id="{6BAEC7DB-416E-4648-AE31-15D6F0A9A9FB}" type="datetimeFigureOut">
               <a:rPr lang="en-US" smtClean="0"/>
-              <a:t>8/10/2018</a:t>
+              <a:t>8/13/2018</a:t>
             </a:fld>
             <a:endParaRPr lang="en-US"/>
           </a:p>
@@ -1428,7 +1429,7 @@
           <a:p>
             <a:fld id="{6BAEC7DB-416E-4648-AE31-15D6F0A9A9FB}" type="datetimeFigureOut">
               <a:rPr lang="en-US" smtClean="0"/>
-              <a:t>8/10/2018</a:t>
+              <a:t>8/13/2018</a:t>
             </a:fld>
             <a:endParaRPr lang="en-US"/>
           </a:p>
@@ -1843,7 +1844,7 @@
           <a:p>
             <a:fld id="{6BAEC7DB-416E-4648-AE31-15D6F0A9A9FB}" type="datetimeFigureOut">
               <a:rPr lang="en-US" smtClean="0"/>
-              <a:t>8/10/2018</a:t>
+              <a:t>8/13/2018</a:t>
             </a:fld>
             <a:endParaRPr lang="en-US"/>
           </a:p>
@@ -1985,7 +1986,7 @@
           <a:p>
             <a:fld id="{6BAEC7DB-416E-4648-AE31-15D6F0A9A9FB}" type="datetimeFigureOut">
               <a:rPr lang="en-US" smtClean="0"/>
-              <a:t>8/10/2018</a:t>
+              <a:t>8/13/2018</a:t>
             </a:fld>
             <a:endParaRPr lang="en-US"/>
           </a:p>
@@ -2098,7 +2099,7 @@
           <a:p>
             <a:fld id="{6BAEC7DB-416E-4648-AE31-15D6F0A9A9FB}" type="datetimeFigureOut">
               <a:rPr lang="en-US" smtClean="0"/>
-              <a:t>8/10/2018</a:t>
+              <a:t>8/13/2018</a:t>
             </a:fld>
             <a:endParaRPr lang="en-US"/>
           </a:p>
@@ -2411,7 +2412,7 @@
           <a:p>
             <a:fld id="{6BAEC7DB-416E-4648-AE31-15D6F0A9A9FB}" type="datetimeFigureOut">
               <a:rPr lang="en-US" smtClean="0"/>
-              <a:t>8/10/2018</a:t>
+              <a:t>8/13/2018</a:t>
             </a:fld>
             <a:endParaRPr lang="en-US"/>
           </a:p>
@@ -2700,7 +2701,7 @@
           <a:p>
             <a:fld id="{6BAEC7DB-416E-4648-AE31-15D6F0A9A9FB}" type="datetimeFigureOut">
               <a:rPr lang="en-US" smtClean="0"/>
-              <a:t>8/10/2018</a:t>
+              <a:t>8/13/2018</a:t>
             </a:fld>
             <a:endParaRPr lang="en-US"/>
           </a:p>
@@ -2943,7 +2944,7 @@
           <a:p>
             <a:fld id="{6BAEC7DB-416E-4648-AE31-15D6F0A9A9FB}" type="datetimeFigureOut">
               <a:rPr lang="en-US" smtClean="0"/>
-              <a:t>8/10/2018</a:t>
+              <a:t>8/13/2018</a:t>
             </a:fld>
             <a:endParaRPr lang="en-US"/>
           </a:p>
@@ -7105,6 +7106,340 @@
 </p:sld>
 </file>
 
+<file path=ppt/slides/slide3.xml><?xml version="1.0" encoding="utf-8"?>
+<p:sld xmlns:a="http://schemas.openxmlformats.org/drawingml/2006/main" xmlns:r="http://schemas.openxmlformats.org/officeDocument/2006/relationships" xmlns:p="http://schemas.openxmlformats.org/presentationml/2006/main">
+  <p:cSld>
+    <p:spTree>
+      <p:nvGrpSpPr>
+        <p:cNvPr id="1" name=""/>
+        <p:cNvGrpSpPr/>
+        <p:nvPr/>
+      </p:nvGrpSpPr>
+      <p:grpSpPr>
+        <a:xfrm>
+          <a:off x="0" y="0"/>
+          <a:ext cx="0" cy="0"/>
+          <a:chOff x="0" y="0"/>
+          <a:chExt cx="0" cy="0"/>
+        </a:xfrm>
+      </p:grpSpPr>
+      <p:pic>
+        <p:nvPicPr>
+          <p:cNvPr id="3" name="图片 2">
+            <a:extLst>
+              <a:ext uri="{FF2B5EF4-FFF2-40B4-BE49-F238E27FC236}">
+                <a16:creationId xmlns:a16="http://schemas.microsoft.com/office/drawing/2014/main" id="{19633AB0-2795-4E7D-8881-8BF5A53B2AC5}"/>
+              </a:ext>
+            </a:extLst>
+          </p:cNvPr>
+          <p:cNvPicPr>
+            <a:picLocks noChangeAspect="1"/>
+          </p:cNvPicPr>
+          <p:nvPr/>
+        </p:nvPicPr>
+        <p:blipFill>
+          <a:blip r:embed="rId2">
+            <a:extLst>
+              <a:ext uri="{28A0092B-C50C-407E-A947-70E740481C1C}">
+                <a14:useLocalDpi xmlns:a14="http://schemas.microsoft.com/office/drawing/2010/main" val="0"/>
+              </a:ext>
+            </a:extLst>
+          </a:blip>
+          <a:stretch>
+            <a:fillRect/>
+          </a:stretch>
+        </p:blipFill>
+        <p:spPr>
+          <a:xfrm>
+            <a:off x="2152650" y="1547812"/>
+            <a:ext cx="7886700" cy="3762375"/>
+          </a:xfrm>
+          <a:prstGeom prst="rect">
+            <a:avLst/>
+          </a:prstGeom>
+        </p:spPr>
+      </p:pic>
+      <p:cxnSp>
+        <p:nvCxnSpPr>
+          <p:cNvPr id="5" name="直接连接符 4">
+            <a:extLst>
+              <a:ext uri="{FF2B5EF4-FFF2-40B4-BE49-F238E27FC236}">
+                <a16:creationId xmlns:a16="http://schemas.microsoft.com/office/drawing/2014/main" id="{4408B7AB-349E-4686-8EF7-442A3615CF91}"/>
+              </a:ext>
+            </a:extLst>
+          </p:cNvPr>
+          <p:cNvCxnSpPr>
+            <a:cxnSpLocks/>
+          </p:cNvCxnSpPr>
+          <p:nvPr/>
+        </p:nvCxnSpPr>
+        <p:spPr>
+          <a:xfrm>
+            <a:off x="6223000" y="1473200"/>
+            <a:ext cx="0" cy="4021667"/>
+          </a:xfrm>
+          <a:prstGeom prst="line">
+            <a:avLst/>
+          </a:prstGeom>
+          <a:ln w="19050">
+            <a:solidFill>
+              <a:schemeClr val="accent1">
+                <a:alpha val="37000"/>
+              </a:schemeClr>
+            </a:solidFill>
+            <a:prstDash val="dash"/>
+          </a:ln>
+        </p:spPr>
+        <p:style>
+          <a:lnRef idx="1">
+            <a:schemeClr val="accent1"/>
+          </a:lnRef>
+          <a:fillRef idx="0">
+            <a:schemeClr val="accent1"/>
+          </a:fillRef>
+          <a:effectRef idx="0">
+            <a:schemeClr val="accent1"/>
+          </a:effectRef>
+          <a:fontRef idx="minor">
+            <a:schemeClr val="tx1"/>
+          </a:fontRef>
+        </p:style>
+      </p:cxnSp>
+      <p:sp>
+        <p:nvSpPr>
+          <p:cNvPr id="8" name="文本框 7">
+            <a:extLst>
+              <a:ext uri="{FF2B5EF4-FFF2-40B4-BE49-F238E27FC236}">
+                <a16:creationId xmlns:a16="http://schemas.microsoft.com/office/drawing/2014/main" id="{7E5BD80B-7AFA-441F-BF6B-EB3696F71906}"/>
+              </a:ext>
+            </a:extLst>
+          </p:cNvPr>
+          <p:cNvSpPr txBox="1"/>
+          <p:nvPr/>
+        </p:nvSpPr>
+        <p:spPr>
+          <a:xfrm>
+            <a:off x="6176820" y="2576947"/>
+            <a:ext cx="330540" cy="369332"/>
+          </a:xfrm>
+          <a:prstGeom prst="rect">
+            <a:avLst/>
+          </a:prstGeom>
+          <a:noFill/>
+        </p:spPr>
+        <p:txBody>
+          <a:bodyPr wrap="none" rtlCol="0">
+            <a:spAutoFit/>
+          </a:bodyPr>
+          <a:lstStyle/>
+          <a:p>
+            <a:r>
+              <a:rPr lang="en-US" b="1">
+                <a:solidFill>
+                  <a:schemeClr val="accent2">
+                    <a:lumMod val="50000"/>
+                  </a:schemeClr>
+                </a:solidFill>
+              </a:rPr>
+              <a:t>G</a:t>
+            </a:r>
+          </a:p>
+        </p:txBody>
+      </p:sp>
+      <p:sp>
+        <p:nvSpPr>
+          <p:cNvPr id="9" name="文本框 8">
+            <a:extLst>
+              <a:ext uri="{FF2B5EF4-FFF2-40B4-BE49-F238E27FC236}">
+                <a16:creationId xmlns:a16="http://schemas.microsoft.com/office/drawing/2014/main" id="{71C8BF3E-4087-43B1-9FE7-8705210F61C6}"/>
+              </a:ext>
+            </a:extLst>
+          </p:cNvPr>
+          <p:cNvSpPr txBox="1"/>
+          <p:nvPr/>
+        </p:nvSpPr>
+        <p:spPr>
+          <a:xfrm>
+            <a:off x="5803731" y="3123878"/>
+            <a:ext cx="293670" cy="369332"/>
+          </a:xfrm>
+          <a:prstGeom prst="rect">
+            <a:avLst/>
+          </a:prstGeom>
+          <a:noFill/>
+        </p:spPr>
+        <p:txBody>
+          <a:bodyPr wrap="none" rtlCol="0">
+            <a:spAutoFit/>
+          </a:bodyPr>
+          <a:lstStyle/>
+          <a:p>
+            <a:r>
+              <a:rPr lang="en-US" b="1">
+                <a:solidFill>
+                  <a:schemeClr val="accent2">
+                    <a:lumMod val="50000"/>
+                  </a:schemeClr>
+                </a:solidFill>
+              </a:rPr>
+              <a:t>S</a:t>
+            </a:r>
+          </a:p>
+        </p:txBody>
+      </p:sp>
+      <p:sp>
+        <p:nvSpPr>
+          <p:cNvPr id="10" name="文本框 9">
+            <a:extLst>
+              <a:ext uri="{FF2B5EF4-FFF2-40B4-BE49-F238E27FC236}">
+                <a16:creationId xmlns:a16="http://schemas.microsoft.com/office/drawing/2014/main" id="{9C721962-BAF1-4887-A79E-21832C627E94}"/>
+              </a:ext>
+            </a:extLst>
+          </p:cNvPr>
+          <p:cNvSpPr txBox="1"/>
+          <p:nvPr/>
+        </p:nvSpPr>
+        <p:spPr>
+          <a:xfrm>
+            <a:off x="6361888" y="3123878"/>
+            <a:ext cx="330540" cy="369332"/>
+          </a:xfrm>
+          <a:prstGeom prst="rect">
+            <a:avLst/>
+          </a:prstGeom>
+          <a:noFill/>
+        </p:spPr>
+        <p:txBody>
+          <a:bodyPr wrap="none" rtlCol="0">
+            <a:spAutoFit/>
+          </a:bodyPr>
+          <a:lstStyle/>
+          <a:p>
+            <a:r>
+              <a:rPr lang="en-US" b="1">
+                <a:solidFill>
+                  <a:schemeClr val="accent2">
+                    <a:lumMod val="50000"/>
+                  </a:schemeClr>
+                </a:solidFill>
+              </a:rPr>
+              <a:t>D</a:t>
+            </a:r>
+          </a:p>
+        </p:txBody>
+      </p:sp>
+      <p:sp>
+        <p:nvSpPr>
+          <p:cNvPr id="12" name="文本框 11">
+            <a:extLst>
+              <a:ext uri="{FF2B5EF4-FFF2-40B4-BE49-F238E27FC236}">
+                <a16:creationId xmlns:a16="http://schemas.microsoft.com/office/drawing/2014/main" id="{C16E5A0B-200B-4565-8DC4-6875E28CA3FF}"/>
+              </a:ext>
+            </a:extLst>
+          </p:cNvPr>
+          <p:cNvSpPr txBox="1"/>
+          <p:nvPr/>
+        </p:nvSpPr>
+        <p:spPr>
+          <a:xfrm>
+            <a:off x="5171823" y="4812135"/>
+            <a:ext cx="1065035" cy="369332"/>
+          </a:xfrm>
+          <a:prstGeom prst="rect">
+            <a:avLst/>
+          </a:prstGeom>
+          <a:noFill/>
+        </p:spPr>
+        <p:txBody>
+          <a:bodyPr wrap="none" rtlCol="0">
+            <a:spAutoFit/>
+          </a:bodyPr>
+          <a:lstStyle/>
+          <a:p>
+            <a:r>
+              <a:rPr lang="en-US" b="1">
+                <a:solidFill>
+                  <a:schemeClr val="accent2">
+                    <a:lumMod val="50000"/>
+                  </a:schemeClr>
+                </a:solidFill>
+              </a:rPr>
+              <a:t>P</a:t>
+            </a:r>
+            <a:r>
+              <a:rPr lang="en-US" altLang="zh-CN" b="1">
+                <a:solidFill>
+                  <a:schemeClr val="accent2">
+                    <a:lumMod val="50000"/>
+                  </a:schemeClr>
+                </a:solidFill>
+              </a:rPr>
+              <a:t>art_3V3</a:t>
+            </a:r>
+            <a:endParaRPr lang="en-US" b="1">
+              <a:solidFill>
+                <a:schemeClr val="accent2">
+                  <a:lumMod val="50000"/>
+                </a:schemeClr>
+              </a:solidFill>
+            </a:endParaRPr>
+          </a:p>
+        </p:txBody>
+      </p:sp>
+      <p:sp>
+        <p:nvSpPr>
+          <p:cNvPr id="13" name="文本框 12">
+            <a:extLst>
+              <a:ext uri="{FF2B5EF4-FFF2-40B4-BE49-F238E27FC236}">
+                <a16:creationId xmlns:a16="http://schemas.microsoft.com/office/drawing/2014/main" id="{42A39A4B-6EC0-4DE2-8CB1-135FE96655E5}"/>
+              </a:ext>
+            </a:extLst>
+          </p:cNvPr>
+          <p:cNvSpPr txBox="1"/>
+          <p:nvPr/>
+        </p:nvSpPr>
+        <p:spPr>
+          <a:xfrm>
+            <a:off x="6236858" y="4807522"/>
+            <a:ext cx="948016" cy="369332"/>
+          </a:xfrm>
+          <a:prstGeom prst="rect">
+            <a:avLst/>
+          </a:prstGeom>
+          <a:noFill/>
+        </p:spPr>
+        <p:txBody>
+          <a:bodyPr wrap="none" rtlCol="0">
+            <a:spAutoFit/>
+          </a:bodyPr>
+          <a:lstStyle/>
+          <a:p>
+            <a:r>
+              <a:rPr lang="en-US" b="1">
+                <a:solidFill>
+                  <a:schemeClr val="accent2">
+                    <a:lumMod val="50000"/>
+                  </a:schemeClr>
+                </a:solidFill>
+              </a:rPr>
+              <a:t>Part_5V</a:t>
+            </a:r>
+          </a:p>
+        </p:txBody>
+      </p:sp>
+    </p:spTree>
+    <p:extLst>
+      <p:ext uri="{BB962C8B-B14F-4D97-AF65-F5344CB8AC3E}">
+        <p14:creationId xmlns:p14="http://schemas.microsoft.com/office/powerpoint/2010/main" val="2110129569"/>
+      </p:ext>
+    </p:extLst>
+  </p:cSld>
+  <p:clrMapOvr>
+    <a:masterClrMapping/>
+  </p:clrMapOvr>
+</p:sld>
+</file>
+
 <file path=ppt/theme/theme1.xml><?xml version="1.0" encoding="utf-8"?>
 <a:theme xmlns:a="http://schemas.openxmlformats.org/drawingml/2006/main" name="Office 主题​​">
   <a:themeElements>

--- a/img/pin_map_2040.pptx
+++ b/img/pin_map_2040.pptx
@@ -8,6 +8,7 @@
     <p:sldId id="256" r:id="rId2"/>
     <p:sldId id="258" r:id="rId3"/>
     <p:sldId id="259" r:id="rId4"/>
+    <p:sldId id="260" r:id="rId5"/>
   </p:sldIdLst>
   <p:sldSz cx="12192000" cy="6858000"/>
   <p:notesSz cx="6858000" cy="9144000"/>
@@ -275,7 +276,7 @@
           <a:p>
             <a:fld id="{6BAEC7DB-416E-4648-AE31-15D6F0A9A9FB}" type="datetimeFigureOut">
               <a:rPr lang="en-US" smtClean="0"/>
-              <a:t>8/13/2018</a:t>
+              <a:t>8/15/2018</a:t>
             </a:fld>
             <a:endParaRPr lang="en-US"/>
           </a:p>
@@ -475,7 +476,7 @@
           <a:p>
             <a:fld id="{6BAEC7DB-416E-4648-AE31-15D6F0A9A9FB}" type="datetimeFigureOut">
               <a:rPr lang="en-US" smtClean="0"/>
-              <a:t>8/13/2018</a:t>
+              <a:t>8/15/2018</a:t>
             </a:fld>
             <a:endParaRPr lang="en-US"/>
           </a:p>
@@ -685,7 +686,7 @@
           <a:p>
             <a:fld id="{6BAEC7DB-416E-4648-AE31-15D6F0A9A9FB}" type="datetimeFigureOut">
               <a:rPr lang="en-US" smtClean="0"/>
-              <a:t>8/13/2018</a:t>
+              <a:t>8/15/2018</a:t>
             </a:fld>
             <a:endParaRPr lang="en-US"/>
           </a:p>
@@ -885,7 +886,7 @@
           <a:p>
             <a:fld id="{6BAEC7DB-416E-4648-AE31-15D6F0A9A9FB}" type="datetimeFigureOut">
               <a:rPr lang="en-US" smtClean="0"/>
-              <a:t>8/13/2018</a:t>
+              <a:t>8/15/2018</a:t>
             </a:fld>
             <a:endParaRPr lang="en-US"/>
           </a:p>
@@ -1161,7 +1162,7 @@
           <a:p>
             <a:fld id="{6BAEC7DB-416E-4648-AE31-15D6F0A9A9FB}" type="datetimeFigureOut">
               <a:rPr lang="en-US" smtClean="0"/>
-              <a:t>8/13/2018</a:t>
+              <a:t>8/15/2018</a:t>
             </a:fld>
             <a:endParaRPr lang="en-US"/>
           </a:p>
@@ -1429,7 +1430,7 @@
           <a:p>
             <a:fld id="{6BAEC7DB-416E-4648-AE31-15D6F0A9A9FB}" type="datetimeFigureOut">
               <a:rPr lang="en-US" smtClean="0"/>
-              <a:t>8/13/2018</a:t>
+              <a:t>8/15/2018</a:t>
             </a:fld>
             <a:endParaRPr lang="en-US"/>
           </a:p>
@@ -1844,7 +1845,7 @@
           <a:p>
             <a:fld id="{6BAEC7DB-416E-4648-AE31-15D6F0A9A9FB}" type="datetimeFigureOut">
               <a:rPr lang="en-US" smtClean="0"/>
-              <a:t>8/13/2018</a:t>
+              <a:t>8/15/2018</a:t>
             </a:fld>
             <a:endParaRPr lang="en-US"/>
           </a:p>
@@ -1986,7 +1987,7 @@
           <a:p>
             <a:fld id="{6BAEC7DB-416E-4648-AE31-15D6F0A9A9FB}" type="datetimeFigureOut">
               <a:rPr lang="en-US" smtClean="0"/>
-              <a:t>8/13/2018</a:t>
+              <a:t>8/15/2018</a:t>
             </a:fld>
             <a:endParaRPr lang="en-US"/>
           </a:p>
@@ -2099,7 +2100,7 @@
           <a:p>
             <a:fld id="{6BAEC7DB-416E-4648-AE31-15D6F0A9A9FB}" type="datetimeFigureOut">
               <a:rPr lang="en-US" smtClean="0"/>
-              <a:t>8/13/2018</a:t>
+              <a:t>8/15/2018</a:t>
             </a:fld>
             <a:endParaRPr lang="en-US"/>
           </a:p>
@@ -2412,7 +2413,7 @@
           <a:p>
             <a:fld id="{6BAEC7DB-416E-4648-AE31-15D6F0A9A9FB}" type="datetimeFigureOut">
               <a:rPr lang="en-US" smtClean="0"/>
-              <a:t>8/13/2018</a:t>
+              <a:t>8/15/2018</a:t>
             </a:fld>
             <a:endParaRPr lang="en-US"/>
           </a:p>
@@ -2701,7 +2702,7 @@
           <a:p>
             <a:fld id="{6BAEC7DB-416E-4648-AE31-15D6F0A9A9FB}" type="datetimeFigureOut">
               <a:rPr lang="en-US" smtClean="0"/>
-              <a:t>8/13/2018</a:t>
+              <a:t>8/15/2018</a:t>
             </a:fld>
             <a:endParaRPr lang="en-US"/>
           </a:p>
@@ -2944,7 +2945,7 @@
           <a:p>
             <a:fld id="{6BAEC7DB-416E-4648-AE31-15D6F0A9A9FB}" type="datetimeFigureOut">
               <a:rPr lang="en-US" smtClean="0"/>
-              <a:t>8/13/2018</a:t>
+              <a:t>8/15/2018</a:t>
             </a:fld>
             <a:endParaRPr lang="en-US"/>
           </a:p>
@@ -7440,6 +7441,468 @@
 </p:sld>
 </file>
 
+<file path=ppt/slides/slide4.xml><?xml version="1.0" encoding="utf-8"?>
+<p:sld xmlns:a="http://schemas.openxmlformats.org/drawingml/2006/main" xmlns:r="http://schemas.openxmlformats.org/officeDocument/2006/relationships" xmlns:p="http://schemas.openxmlformats.org/presentationml/2006/main">
+  <p:cSld>
+    <p:spTree>
+      <p:nvGrpSpPr>
+        <p:cNvPr id="1" name=""/>
+        <p:cNvGrpSpPr/>
+        <p:nvPr/>
+      </p:nvGrpSpPr>
+      <p:grpSpPr>
+        <a:xfrm>
+          <a:off x="0" y="0"/>
+          <a:ext cx="0" cy="0"/>
+          <a:chOff x="0" y="0"/>
+          <a:chExt cx="0" cy="0"/>
+        </a:xfrm>
+      </p:grpSpPr>
+      <p:cxnSp>
+        <p:nvCxnSpPr>
+          <p:cNvPr id="3" name="连接符: 肘形 2">
+            <a:extLst>
+              <a:ext uri="{FF2B5EF4-FFF2-40B4-BE49-F238E27FC236}">
+                <a16:creationId xmlns:a16="http://schemas.microsoft.com/office/drawing/2014/main" id="{A14A9FE9-21A7-44CB-A503-C91ED51CCE05}"/>
+              </a:ext>
+            </a:extLst>
+          </p:cNvPr>
+          <p:cNvCxnSpPr>
+            <a:cxnSpLocks/>
+          </p:cNvCxnSpPr>
+          <p:nvPr/>
+        </p:nvCxnSpPr>
+        <p:spPr>
+          <a:xfrm flipV="1">
+            <a:off x="1783114" y="2438399"/>
+            <a:ext cx="3747621" cy="670559"/>
+          </a:xfrm>
+          <a:prstGeom prst="bentConnector3">
+            <a:avLst/>
+          </a:prstGeom>
+          <a:ln w="25400"/>
+        </p:spPr>
+        <p:style>
+          <a:lnRef idx="1">
+            <a:schemeClr val="accent1"/>
+          </a:lnRef>
+          <a:fillRef idx="0">
+            <a:schemeClr val="accent1"/>
+          </a:fillRef>
+          <a:effectRef idx="0">
+            <a:schemeClr val="accent1"/>
+          </a:effectRef>
+          <a:fontRef idx="minor">
+            <a:schemeClr val="tx1"/>
+          </a:fontRef>
+        </p:style>
+      </p:cxnSp>
+      <p:cxnSp>
+        <p:nvCxnSpPr>
+          <p:cNvPr id="9" name="直接连接符 8">
+            <a:extLst>
+              <a:ext uri="{FF2B5EF4-FFF2-40B4-BE49-F238E27FC236}">
+                <a16:creationId xmlns:a16="http://schemas.microsoft.com/office/drawing/2014/main" id="{C4ED7514-04C8-4046-838A-BD2501C7588D}"/>
+              </a:ext>
+            </a:extLst>
+          </p:cNvPr>
+          <p:cNvCxnSpPr>
+            <a:cxnSpLocks/>
+          </p:cNvCxnSpPr>
+          <p:nvPr/>
+        </p:nvCxnSpPr>
+        <p:spPr>
+          <a:xfrm>
+            <a:off x="5534430" y="3108960"/>
+            <a:ext cx="1865184" cy="6252"/>
+          </a:xfrm>
+          <a:prstGeom prst="line">
+            <a:avLst/>
+          </a:prstGeom>
+          <a:ln w="25400"/>
+        </p:spPr>
+        <p:style>
+          <a:lnRef idx="1">
+            <a:schemeClr val="accent1"/>
+          </a:lnRef>
+          <a:fillRef idx="0">
+            <a:schemeClr val="accent1"/>
+          </a:fillRef>
+          <a:effectRef idx="0">
+            <a:schemeClr val="accent1"/>
+          </a:effectRef>
+          <a:fontRef idx="minor">
+            <a:schemeClr val="tx1"/>
+          </a:fontRef>
+        </p:style>
+      </p:cxnSp>
+      <p:sp>
+        <p:nvSpPr>
+          <p:cNvPr id="16" name="文本框 15">
+            <a:extLst>
+              <a:ext uri="{FF2B5EF4-FFF2-40B4-BE49-F238E27FC236}">
+                <a16:creationId xmlns:a16="http://schemas.microsoft.com/office/drawing/2014/main" id="{E0B4E73A-266B-41AD-A90E-B6A3763F7315}"/>
+              </a:ext>
+            </a:extLst>
+          </p:cNvPr>
+          <p:cNvSpPr txBox="1"/>
+          <p:nvPr/>
+        </p:nvSpPr>
+        <p:spPr>
+          <a:xfrm>
+            <a:off x="3037287" y="3115212"/>
+            <a:ext cx="1297406" cy="369332"/>
+          </a:xfrm>
+          <a:prstGeom prst="rect">
+            <a:avLst/>
+          </a:prstGeom>
+          <a:noFill/>
+        </p:spPr>
+        <p:txBody>
+          <a:bodyPr wrap="none" rtlCol="0">
+            <a:spAutoFit/>
+          </a:bodyPr>
+          <a:lstStyle/>
+          <a:p>
+            <a:r>
+              <a:rPr lang="en-US" altLang="zh-CN">
+                <a:solidFill>
+                  <a:schemeClr val="bg2">
+                    <a:lumMod val="50000"/>
+                  </a:schemeClr>
+                </a:solidFill>
+              </a:rPr>
+              <a:t>Lower_limit</a:t>
+            </a:r>
+            <a:endParaRPr lang="en-US">
+              <a:solidFill>
+                <a:schemeClr val="bg2">
+                  <a:lumMod val="50000"/>
+                </a:schemeClr>
+              </a:solidFill>
+            </a:endParaRPr>
+          </a:p>
+        </p:txBody>
+      </p:sp>
+      <p:sp>
+        <p:nvSpPr>
+          <p:cNvPr id="13" name="文本框 12">
+            <a:extLst>
+              <a:ext uri="{FF2B5EF4-FFF2-40B4-BE49-F238E27FC236}">
+                <a16:creationId xmlns:a16="http://schemas.microsoft.com/office/drawing/2014/main" id="{E620DADD-B22E-4A63-8B3D-5F7592BC77E9}"/>
+              </a:ext>
+            </a:extLst>
+          </p:cNvPr>
+          <p:cNvSpPr txBox="1"/>
+          <p:nvPr/>
+        </p:nvSpPr>
+        <p:spPr>
+          <a:xfrm>
+            <a:off x="4896343" y="3089419"/>
+            <a:ext cx="1306768" cy="369332"/>
+          </a:xfrm>
+          <a:prstGeom prst="rect">
+            <a:avLst/>
+          </a:prstGeom>
+          <a:noFill/>
+        </p:spPr>
+        <p:txBody>
+          <a:bodyPr wrap="none" rtlCol="0">
+            <a:spAutoFit/>
+          </a:bodyPr>
+          <a:lstStyle/>
+          <a:p>
+            <a:r>
+              <a:rPr lang="en-US" altLang="zh-CN">
+                <a:solidFill>
+                  <a:schemeClr val="bg2">
+                    <a:lumMod val="50000"/>
+                  </a:schemeClr>
+                </a:solidFill>
+              </a:rPr>
+              <a:t>Upper_limit</a:t>
+            </a:r>
+            <a:endParaRPr lang="en-US">
+              <a:solidFill>
+                <a:schemeClr val="bg2">
+                  <a:lumMod val="50000"/>
+                </a:schemeClr>
+              </a:solidFill>
+            </a:endParaRPr>
+          </a:p>
+        </p:txBody>
+      </p:sp>
+      <p:cxnSp>
+        <p:nvCxnSpPr>
+          <p:cNvPr id="14" name="直接连接符 13">
+            <a:extLst>
+              <a:ext uri="{FF2B5EF4-FFF2-40B4-BE49-F238E27FC236}">
+                <a16:creationId xmlns:a16="http://schemas.microsoft.com/office/drawing/2014/main" id="{5E5BF8D5-4927-4CEF-81FC-F444429C05FE}"/>
+              </a:ext>
+            </a:extLst>
+          </p:cNvPr>
+          <p:cNvCxnSpPr>
+            <a:cxnSpLocks/>
+          </p:cNvCxnSpPr>
+          <p:nvPr/>
+        </p:nvCxnSpPr>
+        <p:spPr>
+          <a:xfrm>
+            <a:off x="5532582" y="2438399"/>
+            <a:ext cx="0" cy="670559"/>
+          </a:xfrm>
+          <a:prstGeom prst="line">
+            <a:avLst/>
+          </a:prstGeom>
+          <a:ln w="25400"/>
+        </p:spPr>
+        <p:style>
+          <a:lnRef idx="1">
+            <a:schemeClr val="accent1"/>
+          </a:lnRef>
+          <a:fillRef idx="0">
+            <a:schemeClr val="accent1"/>
+          </a:fillRef>
+          <a:effectRef idx="0">
+            <a:schemeClr val="accent1"/>
+          </a:effectRef>
+          <a:fontRef idx="minor">
+            <a:schemeClr val="tx1"/>
+          </a:fontRef>
+        </p:style>
+      </p:cxnSp>
+      <p:sp>
+        <p:nvSpPr>
+          <p:cNvPr id="23" name="矩形 22">
+            <a:extLst>
+              <a:ext uri="{FF2B5EF4-FFF2-40B4-BE49-F238E27FC236}">
+                <a16:creationId xmlns:a16="http://schemas.microsoft.com/office/drawing/2014/main" id="{5F05436C-2780-4290-919B-789395B70976}"/>
+              </a:ext>
+            </a:extLst>
+          </p:cNvPr>
+          <p:cNvSpPr/>
+          <p:nvPr/>
+        </p:nvSpPr>
+        <p:spPr>
+          <a:xfrm>
+            <a:off x="1781267" y="2414969"/>
+            <a:ext cx="1865183" cy="673686"/>
+          </a:xfrm>
+          <a:prstGeom prst="rect">
+            <a:avLst/>
+          </a:prstGeom>
+          <a:pattFill prst="dotDmnd">
+            <a:fgClr>
+              <a:schemeClr val="accent1"/>
+            </a:fgClr>
+            <a:bgClr>
+              <a:schemeClr val="bg1"/>
+            </a:bgClr>
+          </a:pattFill>
+          <a:ln>
+            <a:noFill/>
+          </a:ln>
+        </p:spPr>
+        <p:style>
+          <a:lnRef idx="2">
+            <a:schemeClr val="accent1">
+              <a:shade val="50000"/>
+            </a:schemeClr>
+          </a:lnRef>
+          <a:fillRef idx="1">
+            <a:schemeClr val="accent1"/>
+          </a:fillRef>
+          <a:effectRef idx="0">
+            <a:schemeClr val="accent1"/>
+          </a:effectRef>
+          <a:fontRef idx="minor">
+            <a:schemeClr val="lt1"/>
+          </a:fontRef>
+        </p:style>
+        <p:txBody>
+          <a:bodyPr rtlCol="0" anchor="ctr"/>
+          <a:lstStyle/>
+          <a:p>
+            <a:pPr algn="ctr"/>
+            <a:endParaRPr lang="en-US"/>
+          </a:p>
+        </p:txBody>
+      </p:sp>
+      <p:sp>
+        <p:nvSpPr>
+          <p:cNvPr id="24" name="矩形 23">
+            <a:extLst>
+              <a:ext uri="{FF2B5EF4-FFF2-40B4-BE49-F238E27FC236}">
+                <a16:creationId xmlns:a16="http://schemas.microsoft.com/office/drawing/2014/main" id="{781B8626-867A-48B5-875B-01682CFA0291}"/>
+              </a:ext>
+            </a:extLst>
+          </p:cNvPr>
+          <p:cNvSpPr/>
+          <p:nvPr/>
+        </p:nvSpPr>
+        <p:spPr>
+          <a:xfrm>
+            <a:off x="5542689" y="2432407"/>
+            <a:ext cx="1865184" cy="673686"/>
+          </a:xfrm>
+          <a:prstGeom prst="rect">
+            <a:avLst/>
+          </a:prstGeom>
+          <a:pattFill prst="dotDmnd">
+            <a:fgClr>
+              <a:schemeClr val="accent1"/>
+            </a:fgClr>
+            <a:bgClr>
+              <a:schemeClr val="bg1"/>
+            </a:bgClr>
+          </a:pattFill>
+          <a:ln>
+            <a:noFill/>
+          </a:ln>
+        </p:spPr>
+        <p:style>
+          <a:lnRef idx="2">
+            <a:schemeClr val="accent1">
+              <a:shade val="50000"/>
+            </a:schemeClr>
+          </a:lnRef>
+          <a:fillRef idx="1">
+            <a:schemeClr val="accent1"/>
+          </a:fillRef>
+          <a:effectRef idx="0">
+            <a:schemeClr val="accent1"/>
+          </a:effectRef>
+          <a:fontRef idx="minor">
+            <a:schemeClr val="lt1"/>
+          </a:fontRef>
+        </p:style>
+        <p:txBody>
+          <a:bodyPr rtlCol="0" anchor="ctr"/>
+          <a:lstStyle/>
+          <a:p>
+            <a:pPr algn="ctr"/>
+            <a:endParaRPr lang="en-US"/>
+          </a:p>
+        </p:txBody>
+      </p:sp>
+      <p:sp>
+        <p:nvSpPr>
+          <p:cNvPr id="25" name="矩形 24">
+            <a:extLst>
+              <a:ext uri="{FF2B5EF4-FFF2-40B4-BE49-F238E27FC236}">
+                <a16:creationId xmlns:a16="http://schemas.microsoft.com/office/drawing/2014/main" id="{5906A552-5330-4BB5-AF6F-DF3A189D82D4}"/>
+              </a:ext>
+            </a:extLst>
+          </p:cNvPr>
+          <p:cNvSpPr/>
+          <p:nvPr/>
+        </p:nvSpPr>
+        <p:spPr>
+          <a:xfrm>
+            <a:off x="1781267" y="3756475"/>
+            <a:ext cx="587856" cy="421157"/>
+          </a:xfrm>
+          <a:prstGeom prst="rect">
+            <a:avLst/>
+          </a:prstGeom>
+          <a:pattFill prst="dotDmnd">
+            <a:fgClr>
+              <a:schemeClr val="accent1"/>
+            </a:fgClr>
+            <a:bgClr>
+              <a:schemeClr val="bg1"/>
+            </a:bgClr>
+          </a:pattFill>
+          <a:ln>
+            <a:noFill/>
+          </a:ln>
+        </p:spPr>
+        <p:style>
+          <a:lnRef idx="2">
+            <a:schemeClr val="accent1">
+              <a:shade val="50000"/>
+            </a:schemeClr>
+          </a:lnRef>
+          <a:fillRef idx="1">
+            <a:schemeClr val="accent1"/>
+          </a:fillRef>
+          <a:effectRef idx="0">
+            <a:schemeClr val="accent1"/>
+          </a:effectRef>
+          <a:fontRef idx="minor">
+            <a:schemeClr val="lt1"/>
+          </a:fontRef>
+        </p:style>
+        <p:txBody>
+          <a:bodyPr rtlCol="0" anchor="ctr"/>
+          <a:lstStyle/>
+          <a:p>
+            <a:pPr algn="ctr"/>
+            <a:endParaRPr lang="en-US"/>
+          </a:p>
+        </p:txBody>
+      </p:sp>
+      <p:sp>
+        <p:nvSpPr>
+          <p:cNvPr id="26" name="文本框 25">
+            <a:extLst>
+              <a:ext uri="{FF2B5EF4-FFF2-40B4-BE49-F238E27FC236}">
+                <a16:creationId xmlns:a16="http://schemas.microsoft.com/office/drawing/2014/main" id="{2840DC3A-5E6A-4034-AE06-E29EFB294580}"/>
+              </a:ext>
+            </a:extLst>
+          </p:cNvPr>
+          <p:cNvSpPr txBox="1"/>
+          <p:nvPr/>
+        </p:nvSpPr>
+        <p:spPr>
+          <a:xfrm>
+            <a:off x="1669842" y="4177632"/>
+            <a:ext cx="1598258" cy="369332"/>
+          </a:xfrm>
+          <a:prstGeom prst="rect">
+            <a:avLst/>
+          </a:prstGeom>
+          <a:noFill/>
+        </p:spPr>
+        <p:txBody>
+          <a:bodyPr wrap="none" rtlCol="0">
+            <a:spAutoFit/>
+          </a:bodyPr>
+          <a:lstStyle/>
+          <a:p>
+            <a:r>
+              <a:rPr lang="en-US" altLang="zh-CN">
+                <a:solidFill>
+                  <a:schemeClr val="bg2">
+                    <a:lumMod val="50000"/>
+                  </a:schemeClr>
+                </a:solidFill>
+              </a:rPr>
+              <a:t>Condition zone</a:t>
+            </a:r>
+            <a:endParaRPr lang="en-US">
+              <a:solidFill>
+                <a:schemeClr val="bg2">
+                  <a:lumMod val="50000"/>
+                </a:schemeClr>
+              </a:solidFill>
+            </a:endParaRPr>
+          </a:p>
+        </p:txBody>
+      </p:sp>
+    </p:spTree>
+    <p:extLst>
+      <p:ext uri="{BB962C8B-B14F-4D97-AF65-F5344CB8AC3E}">
+        <p14:creationId xmlns:p14="http://schemas.microsoft.com/office/powerpoint/2010/main" val="2544273426"/>
+      </p:ext>
+    </p:extLst>
+  </p:cSld>
+  <p:clrMapOvr>
+    <a:masterClrMapping/>
+  </p:clrMapOvr>
+</p:sld>
+</file>
+
 <file path=ppt/theme/theme1.xml><?xml version="1.0" encoding="utf-8"?>
 <a:theme xmlns:a="http://schemas.openxmlformats.org/drawingml/2006/main" name="Office 主题​​">
   <a:themeElements>

--- a/img/pin_map_2040.pptx
+++ b/img/pin_map_2040.pptx
@@ -276,7 +276,7 @@
           <a:p>
             <a:fld id="{6BAEC7DB-416E-4648-AE31-15D6F0A9A9FB}" type="datetimeFigureOut">
               <a:rPr lang="en-US" smtClean="0"/>
-              <a:t>8/15/2018</a:t>
+              <a:t>8/20/2018</a:t>
             </a:fld>
             <a:endParaRPr lang="en-US"/>
           </a:p>
@@ -476,7 +476,7 @@
           <a:p>
             <a:fld id="{6BAEC7DB-416E-4648-AE31-15D6F0A9A9FB}" type="datetimeFigureOut">
               <a:rPr lang="en-US" smtClean="0"/>
-              <a:t>8/15/2018</a:t>
+              <a:t>8/20/2018</a:t>
             </a:fld>
             <a:endParaRPr lang="en-US"/>
           </a:p>
@@ -686,7 +686,7 @@
           <a:p>
             <a:fld id="{6BAEC7DB-416E-4648-AE31-15D6F0A9A9FB}" type="datetimeFigureOut">
               <a:rPr lang="en-US" smtClean="0"/>
-              <a:t>8/15/2018</a:t>
+              <a:t>8/20/2018</a:t>
             </a:fld>
             <a:endParaRPr lang="en-US"/>
           </a:p>
@@ -886,7 +886,7 @@
           <a:p>
             <a:fld id="{6BAEC7DB-416E-4648-AE31-15D6F0A9A9FB}" type="datetimeFigureOut">
               <a:rPr lang="en-US" smtClean="0"/>
-              <a:t>8/15/2018</a:t>
+              <a:t>8/20/2018</a:t>
             </a:fld>
             <a:endParaRPr lang="en-US"/>
           </a:p>
@@ -1162,7 +1162,7 @@
           <a:p>
             <a:fld id="{6BAEC7DB-416E-4648-AE31-15D6F0A9A9FB}" type="datetimeFigureOut">
               <a:rPr lang="en-US" smtClean="0"/>
-              <a:t>8/15/2018</a:t>
+              <a:t>8/20/2018</a:t>
             </a:fld>
             <a:endParaRPr lang="en-US"/>
           </a:p>
@@ -1430,7 +1430,7 @@
           <a:p>
             <a:fld id="{6BAEC7DB-416E-4648-AE31-15D6F0A9A9FB}" type="datetimeFigureOut">
               <a:rPr lang="en-US" smtClean="0"/>
-              <a:t>8/15/2018</a:t>
+              <a:t>8/20/2018</a:t>
             </a:fld>
             <a:endParaRPr lang="en-US"/>
           </a:p>
@@ -1845,7 +1845,7 @@
           <a:p>
             <a:fld id="{6BAEC7DB-416E-4648-AE31-15D6F0A9A9FB}" type="datetimeFigureOut">
               <a:rPr lang="en-US" smtClean="0"/>
-              <a:t>8/15/2018</a:t>
+              <a:t>8/20/2018</a:t>
             </a:fld>
             <a:endParaRPr lang="en-US"/>
           </a:p>
@@ -1987,7 +1987,7 @@
           <a:p>
             <a:fld id="{6BAEC7DB-416E-4648-AE31-15D6F0A9A9FB}" type="datetimeFigureOut">
               <a:rPr lang="en-US" smtClean="0"/>
-              <a:t>8/15/2018</a:t>
+              <a:t>8/20/2018</a:t>
             </a:fld>
             <a:endParaRPr lang="en-US"/>
           </a:p>
@@ -2100,7 +2100,7 @@
           <a:p>
             <a:fld id="{6BAEC7DB-416E-4648-AE31-15D6F0A9A9FB}" type="datetimeFigureOut">
               <a:rPr lang="en-US" smtClean="0"/>
-              <a:t>8/15/2018</a:t>
+              <a:t>8/20/2018</a:t>
             </a:fld>
             <a:endParaRPr lang="en-US"/>
           </a:p>
@@ -2413,7 +2413,7 @@
           <a:p>
             <a:fld id="{6BAEC7DB-416E-4648-AE31-15D6F0A9A9FB}" type="datetimeFigureOut">
               <a:rPr lang="en-US" smtClean="0"/>
-              <a:t>8/15/2018</a:t>
+              <a:t>8/20/2018</a:t>
             </a:fld>
             <a:endParaRPr lang="en-US"/>
           </a:p>
@@ -2702,7 +2702,7 @@
           <a:p>
             <a:fld id="{6BAEC7DB-416E-4648-AE31-15D6F0A9A9FB}" type="datetimeFigureOut">
               <a:rPr lang="en-US" smtClean="0"/>
-              <a:t>8/15/2018</a:t>
+              <a:t>8/20/2018</a:t>
             </a:fld>
             <a:endParaRPr lang="en-US"/>
           </a:p>
@@ -2945,7 +2945,7 @@
           <a:p>
             <a:fld id="{6BAEC7DB-416E-4648-AE31-15D6F0A9A9FB}" type="datetimeFigureOut">
               <a:rPr lang="en-US" smtClean="0"/>
-              <a:t>8/15/2018</a:t>
+              <a:t>8/20/2018</a:t>
             </a:fld>
             <a:endParaRPr lang="en-US"/>
           </a:p>
@@ -3362,511 +3362,324 @@
           <a:chExt cx="0" cy="0"/>
         </a:xfrm>
       </p:grpSpPr>
-      <p:grpSp>
-        <p:nvGrpSpPr>
-          <p:cNvPr id="6" name="组合 5">
-            <a:extLst>
-              <a:ext uri="{FF2B5EF4-FFF2-40B4-BE49-F238E27FC236}">
-                <a16:creationId xmlns:a16="http://schemas.microsoft.com/office/drawing/2014/main" id="{0BF6E952-592E-4734-97F7-661F06598A1A}"/>
-              </a:ext>
-            </a:extLst>
-          </p:cNvPr>
-          <p:cNvGrpSpPr/>
+      <p:pic>
+        <p:nvPicPr>
+          <p:cNvPr id="4" name="图片 3">
+            <a:extLst>
+              <a:ext uri="{FF2B5EF4-FFF2-40B4-BE49-F238E27FC236}">
+                <a16:creationId xmlns:a16="http://schemas.microsoft.com/office/drawing/2014/main" id="{F786D760-88DA-47A1-AD9E-4492119DED2F}"/>
+              </a:ext>
+            </a:extLst>
+          </p:cNvPr>
+          <p:cNvPicPr>
+            <a:picLocks noChangeAspect="1"/>
+          </p:cNvPicPr>
           <p:nvPr/>
-        </p:nvGrpSpPr>
-        <p:grpSpPr>
+        </p:nvPicPr>
+        <p:blipFill>
+          <a:blip r:embed="rId2">
+            <a:extLst>
+              <a:ext uri="{28A0092B-C50C-407E-A947-70E740481C1C}">
+                <a14:useLocalDpi xmlns:a14="http://schemas.microsoft.com/office/drawing/2010/main" val="0"/>
+              </a:ext>
+            </a:extLst>
+          </a:blip>
+          <a:stretch>
+            <a:fillRect/>
+          </a:stretch>
+        </p:blipFill>
+        <p:spPr>
           <a:xfrm>
-            <a:off x="1085921" y="299694"/>
-            <a:ext cx="5785189" cy="3867150"/>
-            <a:chOff x="1838689" y="350494"/>
-            <a:chExt cx="5785189" cy="3867150"/>
-          </a:xfrm>
-        </p:grpSpPr>
-        <p:pic>
-          <p:nvPicPr>
-            <p:cNvPr id="4" name="图片 3">
-              <a:extLst>
-                <a:ext uri="{FF2B5EF4-FFF2-40B4-BE49-F238E27FC236}">
-                  <a16:creationId xmlns:a16="http://schemas.microsoft.com/office/drawing/2014/main" id="{F786D760-88DA-47A1-AD9E-4492119DED2F}"/>
-                </a:ext>
-              </a:extLst>
-            </p:cNvPr>
-            <p:cNvPicPr>
-              <a:picLocks noChangeAspect="1"/>
-            </p:cNvPicPr>
-            <p:nvPr/>
-          </p:nvPicPr>
-          <p:blipFill>
-            <a:blip r:embed="rId2">
-              <a:extLst>
-                <a:ext uri="{28A0092B-C50C-407E-A947-70E740481C1C}">
-                  <a14:useLocalDpi xmlns:a14="http://schemas.microsoft.com/office/drawing/2010/main" val="0"/>
-                </a:ext>
-              </a:extLst>
-            </a:blip>
-            <a:stretch>
-              <a:fillRect/>
-            </a:stretch>
-          </p:blipFill>
-          <p:spPr>
-            <a:xfrm>
-              <a:off x="2467678" y="350494"/>
-              <a:ext cx="5156200" cy="3867150"/>
-            </a:xfrm>
-            <a:prstGeom prst="rect">
-              <a:avLst/>
-            </a:prstGeom>
-          </p:spPr>
-        </p:pic>
-        <p:grpSp>
-          <p:nvGrpSpPr>
-            <p:cNvPr id="9" name="组合 8">
-              <a:extLst>
-                <a:ext uri="{FF2B5EF4-FFF2-40B4-BE49-F238E27FC236}">
-                  <a16:creationId xmlns:a16="http://schemas.microsoft.com/office/drawing/2014/main" id="{55645112-D07C-4C6B-9392-39D9BADB5575}"/>
-                </a:ext>
-              </a:extLst>
-            </p:cNvPr>
-            <p:cNvGrpSpPr/>
-            <p:nvPr/>
-          </p:nvGrpSpPr>
-          <p:grpSpPr>
-            <a:xfrm>
-              <a:off x="1838689" y="1484042"/>
-              <a:ext cx="403562" cy="1577340"/>
-              <a:chOff x="3233387" y="1427998"/>
-              <a:chExt cx="386016" cy="1508760"/>
-            </a:xfrm>
-          </p:grpSpPr>
-          <p:pic>
-            <p:nvPicPr>
-              <p:cNvPr id="15" name="图片 14">
-                <a:extLst>
-                  <a:ext uri="{FF2B5EF4-FFF2-40B4-BE49-F238E27FC236}">
-                    <a16:creationId xmlns:a16="http://schemas.microsoft.com/office/drawing/2014/main" id="{90FF3E6A-CD31-42D0-AE3C-13BDCB845E81}"/>
-                  </a:ext>
-                </a:extLst>
-              </p:cNvPr>
-              <p:cNvPicPr>
-                <a:picLocks noChangeAspect="1"/>
-              </p:cNvPicPr>
-              <p:nvPr/>
-            </p:nvPicPr>
-            <p:blipFill>
-              <a:blip r:embed="rId3">
-                <a:extLst>
-                  <a:ext uri="{28A0092B-C50C-407E-A947-70E740481C1C}">
-                    <a14:useLocalDpi xmlns:a14="http://schemas.microsoft.com/office/drawing/2010/main" val="0"/>
-                  </a:ext>
-                </a:extLst>
-              </a:blip>
-              <a:stretch>
-                <a:fillRect/>
-              </a:stretch>
-            </p:blipFill>
-            <p:spPr>
-              <a:xfrm>
-                <a:off x="3233387" y="1427998"/>
-                <a:ext cx="386016" cy="386016"/>
-              </a:xfrm>
-              <a:prstGeom prst="rect">
-                <a:avLst/>
-              </a:prstGeom>
-            </p:spPr>
-          </p:pic>
-          <p:pic>
-            <p:nvPicPr>
-              <p:cNvPr id="17" name="图片 16">
-                <a:extLst>
-                  <a:ext uri="{FF2B5EF4-FFF2-40B4-BE49-F238E27FC236}">
-                    <a16:creationId xmlns:a16="http://schemas.microsoft.com/office/drawing/2014/main" id="{C01174B4-89C2-4D0C-B26F-33035E962224}"/>
-                  </a:ext>
-                </a:extLst>
-              </p:cNvPr>
-              <p:cNvPicPr>
-                <a:picLocks noChangeAspect="1"/>
-              </p:cNvPicPr>
-              <p:nvPr/>
-            </p:nvPicPr>
-            <p:blipFill>
-              <a:blip r:embed="rId4">
-                <a:extLst>
-                  <a:ext uri="{28A0092B-C50C-407E-A947-70E740481C1C}">
-                    <a14:useLocalDpi xmlns:a14="http://schemas.microsoft.com/office/drawing/2010/main" val="0"/>
-                  </a:ext>
-                </a:extLst>
-              </a:blip>
-              <a:stretch>
-                <a:fillRect/>
-              </a:stretch>
-            </p:blipFill>
-            <p:spPr>
-              <a:xfrm>
-                <a:off x="3233387" y="1802246"/>
-                <a:ext cx="386016" cy="386016"/>
-              </a:xfrm>
-              <a:prstGeom prst="rect">
-                <a:avLst/>
-              </a:prstGeom>
-            </p:spPr>
-          </p:pic>
-          <p:pic>
-            <p:nvPicPr>
-              <p:cNvPr id="19" name="图片 18">
-                <a:extLst>
-                  <a:ext uri="{FF2B5EF4-FFF2-40B4-BE49-F238E27FC236}">
-                    <a16:creationId xmlns:a16="http://schemas.microsoft.com/office/drawing/2014/main" id="{07BC457B-E507-47EA-A887-0ABE6C066AD7}"/>
-                  </a:ext>
-                </a:extLst>
-              </p:cNvPr>
-              <p:cNvPicPr>
-                <a:picLocks noChangeAspect="1"/>
-              </p:cNvPicPr>
-              <p:nvPr/>
-            </p:nvPicPr>
-            <p:blipFill>
-              <a:blip r:embed="rId5">
-                <a:extLst>
-                  <a:ext uri="{28A0092B-C50C-407E-A947-70E740481C1C}">
-                    <a14:useLocalDpi xmlns:a14="http://schemas.microsoft.com/office/drawing/2010/main" val="0"/>
-                  </a:ext>
-                </a:extLst>
-              </a:blip>
-              <a:stretch>
-                <a:fillRect/>
-              </a:stretch>
-            </p:blipFill>
-            <p:spPr>
-              <a:xfrm>
-                <a:off x="3233387" y="2176494"/>
-                <a:ext cx="386016" cy="386016"/>
-              </a:xfrm>
-              <a:prstGeom prst="rect">
-                <a:avLst/>
-              </a:prstGeom>
-            </p:spPr>
-          </p:pic>
-          <p:pic>
-            <p:nvPicPr>
-              <p:cNvPr id="21" name="图片 20">
-                <a:extLst>
-                  <a:ext uri="{FF2B5EF4-FFF2-40B4-BE49-F238E27FC236}">
-                    <a16:creationId xmlns:a16="http://schemas.microsoft.com/office/drawing/2014/main" id="{C6EF89C3-AFE4-4732-9118-178D0EDE0DE1}"/>
-                  </a:ext>
-                </a:extLst>
-              </p:cNvPr>
-              <p:cNvPicPr>
-                <a:picLocks noChangeAspect="1"/>
-              </p:cNvPicPr>
-              <p:nvPr/>
-            </p:nvPicPr>
-            <p:blipFill>
-              <a:blip r:embed="rId6">
-                <a:extLst>
-                  <a:ext uri="{28A0092B-C50C-407E-A947-70E740481C1C}">
-                    <a14:useLocalDpi xmlns:a14="http://schemas.microsoft.com/office/drawing/2010/main" val="0"/>
-                  </a:ext>
-                </a:extLst>
-              </a:blip>
-              <a:stretch>
-                <a:fillRect/>
-              </a:stretch>
-            </p:blipFill>
-            <p:spPr>
-              <a:xfrm>
-                <a:off x="3233387" y="2550742"/>
-                <a:ext cx="386016" cy="386016"/>
-              </a:xfrm>
-              <a:prstGeom prst="rect">
-                <a:avLst/>
-              </a:prstGeom>
-            </p:spPr>
-          </p:pic>
-        </p:grpSp>
-        <p:cxnSp>
-          <p:nvCxnSpPr>
-            <p:cNvPr id="59" name="直接连接符 58">
-              <a:extLst>
-                <a:ext uri="{FF2B5EF4-FFF2-40B4-BE49-F238E27FC236}">
-                  <a16:creationId xmlns:a16="http://schemas.microsoft.com/office/drawing/2014/main" id="{554D8D14-D48D-45F6-89A6-634C964B8AE8}"/>
-                </a:ext>
-              </a:extLst>
-            </p:cNvPr>
-            <p:cNvCxnSpPr>
-              <a:cxnSpLocks/>
-            </p:cNvCxnSpPr>
-            <p:nvPr/>
-          </p:nvCxnSpPr>
-          <p:spPr>
-            <a:xfrm>
-              <a:off x="2644192" y="1923748"/>
-              <a:ext cx="1097280" cy="0"/>
-            </a:xfrm>
-            <a:prstGeom prst="line">
-              <a:avLst/>
-            </a:prstGeom>
-            <a:ln w="9525" cap="flat" cmpd="sng" algn="ctr">
-              <a:solidFill>
-                <a:schemeClr val="accent3"/>
-              </a:solidFill>
-              <a:prstDash val="dash"/>
-              <a:round/>
-              <a:headEnd type="none" w="med" len="med"/>
-              <a:tailEnd type="none" w="med" len="med"/>
-            </a:ln>
-          </p:spPr>
-          <p:style>
-            <a:lnRef idx="0">
-              <a:scrgbClr r="0" g="0" b="0"/>
-            </a:lnRef>
-            <a:fillRef idx="0">
-              <a:scrgbClr r="0" g="0" b="0"/>
-            </a:fillRef>
-            <a:effectRef idx="0">
-              <a:scrgbClr r="0" g="0" b="0"/>
-            </a:effectRef>
-            <a:fontRef idx="minor">
-              <a:schemeClr val="tx1"/>
-            </a:fontRef>
-          </p:style>
-        </p:cxnSp>
-        <p:cxnSp>
-          <p:nvCxnSpPr>
-            <p:cNvPr id="62" name="直接连接符 61">
-              <a:extLst>
-                <a:ext uri="{FF2B5EF4-FFF2-40B4-BE49-F238E27FC236}">
-                  <a16:creationId xmlns:a16="http://schemas.microsoft.com/office/drawing/2014/main" id="{71513585-2402-4773-B202-B5A94B9B4E68}"/>
-                </a:ext>
-              </a:extLst>
-            </p:cNvPr>
-            <p:cNvCxnSpPr>
-              <a:cxnSpLocks/>
-            </p:cNvCxnSpPr>
-            <p:nvPr/>
-          </p:nvCxnSpPr>
-          <p:spPr>
-            <a:xfrm>
-              <a:off x="2644192" y="2624965"/>
-              <a:ext cx="1097280" cy="0"/>
-            </a:xfrm>
-            <a:prstGeom prst="line">
-              <a:avLst/>
-            </a:prstGeom>
-            <a:ln w="9525" cap="flat" cmpd="sng" algn="ctr">
-              <a:solidFill>
-                <a:schemeClr val="accent3"/>
-              </a:solidFill>
-              <a:prstDash val="dash"/>
-              <a:round/>
-              <a:headEnd type="none" w="med" len="med"/>
-              <a:tailEnd type="none" w="med" len="med"/>
-            </a:ln>
-          </p:spPr>
-          <p:style>
-            <a:lnRef idx="0">
-              <a:scrgbClr r="0" g="0" b="0"/>
-            </a:lnRef>
-            <a:fillRef idx="0">
-              <a:scrgbClr r="0" g="0" b="0"/>
-            </a:fillRef>
-            <a:effectRef idx="0">
-              <a:scrgbClr r="0" g="0" b="0"/>
-            </a:effectRef>
-            <a:fontRef idx="minor">
-              <a:schemeClr val="tx1"/>
-            </a:fontRef>
-          </p:style>
-        </p:cxnSp>
-        <p:cxnSp>
-          <p:nvCxnSpPr>
-            <p:cNvPr id="64" name="直接连接符 63">
-              <a:extLst>
-                <a:ext uri="{FF2B5EF4-FFF2-40B4-BE49-F238E27FC236}">
-                  <a16:creationId xmlns:a16="http://schemas.microsoft.com/office/drawing/2014/main" id="{F11B205F-0707-4A55-ACA4-3B1022C2AD5E}"/>
-                </a:ext>
-              </a:extLst>
-            </p:cNvPr>
-            <p:cNvCxnSpPr>
-              <a:cxnSpLocks/>
-            </p:cNvCxnSpPr>
-            <p:nvPr/>
-          </p:nvCxnSpPr>
-          <p:spPr>
-            <a:xfrm flipV="1">
-              <a:off x="2236775" y="2393859"/>
-              <a:ext cx="1463040" cy="0"/>
-            </a:xfrm>
-            <a:prstGeom prst="line">
-              <a:avLst/>
-            </a:prstGeom>
-            <a:ln w="9525" cap="flat" cmpd="sng" algn="ctr">
-              <a:solidFill>
-                <a:schemeClr val="accent3"/>
-              </a:solidFill>
-              <a:prstDash val="dash"/>
-              <a:round/>
-              <a:headEnd type="none" w="med" len="med"/>
-              <a:tailEnd type="none" w="med" len="med"/>
-            </a:ln>
-          </p:spPr>
-          <p:style>
-            <a:lnRef idx="0">
-              <a:scrgbClr r="0" g="0" b="0"/>
-            </a:lnRef>
-            <a:fillRef idx="0">
-              <a:scrgbClr r="0" g="0" b="0"/>
-            </a:fillRef>
-            <a:effectRef idx="0">
-              <a:scrgbClr r="0" g="0" b="0"/>
-            </a:effectRef>
-            <a:fontRef idx="minor">
-              <a:schemeClr val="tx1"/>
-            </a:fontRef>
-          </p:style>
-        </p:cxnSp>
-        <p:cxnSp>
-          <p:nvCxnSpPr>
-            <p:cNvPr id="69" name="直接连接符 68">
-              <a:extLst>
-                <a:ext uri="{FF2B5EF4-FFF2-40B4-BE49-F238E27FC236}">
-                  <a16:creationId xmlns:a16="http://schemas.microsoft.com/office/drawing/2014/main" id="{C23963EC-181B-4C8C-91B5-30994438B94F}"/>
-                </a:ext>
-              </a:extLst>
-            </p:cNvPr>
-            <p:cNvCxnSpPr>
-              <a:cxnSpLocks/>
-            </p:cNvCxnSpPr>
-            <p:nvPr/>
-          </p:nvCxnSpPr>
-          <p:spPr>
-            <a:xfrm>
-              <a:off x="2242251" y="2152114"/>
-              <a:ext cx="1463040" cy="0"/>
-            </a:xfrm>
-            <a:prstGeom prst="line">
-              <a:avLst/>
-            </a:prstGeom>
-            <a:ln w="9525" cap="flat" cmpd="sng" algn="ctr">
-              <a:solidFill>
-                <a:schemeClr val="accent3"/>
-              </a:solidFill>
-              <a:prstDash val="dash"/>
-              <a:round/>
-              <a:headEnd type="none" w="med" len="med"/>
-              <a:tailEnd type="none" w="med" len="med"/>
-            </a:ln>
-          </p:spPr>
-          <p:style>
-            <a:lnRef idx="0">
-              <a:scrgbClr r="0" g="0" b="0"/>
-            </a:lnRef>
-            <a:fillRef idx="0">
-              <a:scrgbClr r="0" g="0" b="0"/>
-            </a:fillRef>
-            <a:effectRef idx="0">
-              <a:scrgbClr r="0" g="0" b="0"/>
-            </a:effectRef>
-            <a:fontRef idx="minor">
-              <a:schemeClr val="tx1"/>
-            </a:fontRef>
-          </p:style>
-        </p:cxnSp>
-        <p:cxnSp>
-          <p:nvCxnSpPr>
-            <p:cNvPr id="83" name="直接连接符 82">
-              <a:extLst>
-                <a:ext uri="{FF2B5EF4-FFF2-40B4-BE49-F238E27FC236}">
-                  <a16:creationId xmlns:a16="http://schemas.microsoft.com/office/drawing/2014/main" id="{2B1DA2A3-4ED3-4440-94B7-BBD22FB36479}"/>
-                </a:ext>
-              </a:extLst>
-            </p:cNvPr>
-            <p:cNvCxnSpPr>
-              <a:cxnSpLocks/>
-              <a:endCxn id="15" idx="3"/>
-            </p:cNvCxnSpPr>
-            <p:nvPr/>
-          </p:nvCxnSpPr>
-          <p:spPr>
-            <a:xfrm flipH="1" flipV="1">
-              <a:off x="2242251" y="1685823"/>
-              <a:ext cx="401941" cy="237926"/>
-            </a:xfrm>
-            <a:prstGeom prst="line">
-              <a:avLst/>
-            </a:prstGeom>
-            <a:ln w="9525" cap="flat" cmpd="sng" algn="ctr">
-              <a:solidFill>
-                <a:schemeClr val="accent3"/>
-              </a:solidFill>
-              <a:prstDash val="dash"/>
-              <a:round/>
-              <a:headEnd type="none" w="med" len="med"/>
-              <a:tailEnd type="none" w="med" len="med"/>
-            </a:ln>
-          </p:spPr>
-          <p:style>
-            <a:lnRef idx="0">
-              <a:scrgbClr r="0" g="0" b="0"/>
-            </a:lnRef>
-            <a:fillRef idx="0">
-              <a:scrgbClr r="0" g="0" b="0"/>
-            </a:fillRef>
-            <a:effectRef idx="0">
-              <a:scrgbClr r="0" g="0" b="0"/>
-            </a:effectRef>
-            <a:fontRef idx="minor">
-              <a:schemeClr val="tx1"/>
-            </a:fontRef>
-          </p:style>
-        </p:cxnSp>
-        <p:cxnSp>
-          <p:nvCxnSpPr>
-            <p:cNvPr id="86" name="直接连接符 85">
-              <a:extLst>
-                <a:ext uri="{FF2B5EF4-FFF2-40B4-BE49-F238E27FC236}">
-                  <a16:creationId xmlns:a16="http://schemas.microsoft.com/office/drawing/2014/main" id="{1DDB23F1-BC13-4F76-9BE4-AB93E1600A98}"/>
-                </a:ext>
-              </a:extLst>
-            </p:cNvPr>
-            <p:cNvCxnSpPr>
-              <a:endCxn id="21" idx="3"/>
-            </p:cNvCxnSpPr>
-            <p:nvPr/>
-          </p:nvCxnSpPr>
-          <p:spPr>
-            <a:xfrm flipH="1">
-              <a:off x="2242251" y="2624965"/>
-              <a:ext cx="401940" cy="234636"/>
-            </a:xfrm>
-            <a:prstGeom prst="line">
-              <a:avLst/>
-            </a:prstGeom>
-            <a:ln w="9525" cap="flat" cmpd="sng" algn="ctr">
-              <a:solidFill>
-                <a:schemeClr val="accent3"/>
-              </a:solidFill>
-              <a:prstDash val="dash"/>
-              <a:round/>
-              <a:headEnd type="none" w="med" len="med"/>
-              <a:tailEnd type="none" w="med" len="med"/>
-            </a:ln>
-          </p:spPr>
-          <p:style>
-            <a:lnRef idx="0">
-              <a:scrgbClr r="0" g="0" b="0"/>
-            </a:lnRef>
-            <a:fillRef idx="0">
-              <a:scrgbClr r="0" g="0" b="0"/>
-            </a:fillRef>
-            <a:effectRef idx="0">
-              <a:scrgbClr r="0" g="0" b="0"/>
-            </a:effectRef>
-            <a:fontRef idx="minor">
-              <a:schemeClr val="tx1"/>
-            </a:fontRef>
-          </p:style>
-        </p:cxnSp>
-      </p:grpSp>
+            <a:off x="1714910" y="299694"/>
+            <a:ext cx="5156200" cy="3867150"/>
+          </a:xfrm>
+          <a:prstGeom prst="rect">
+            <a:avLst/>
+          </a:prstGeom>
+        </p:spPr>
+      </p:pic>
+      <p:cxnSp>
+        <p:nvCxnSpPr>
+          <p:cNvPr id="59" name="直接连接符 58">
+            <a:extLst>
+              <a:ext uri="{FF2B5EF4-FFF2-40B4-BE49-F238E27FC236}">
+                <a16:creationId xmlns:a16="http://schemas.microsoft.com/office/drawing/2014/main" id="{554D8D14-D48D-45F6-89A6-634C964B8AE8}"/>
+              </a:ext>
+            </a:extLst>
+          </p:cNvPr>
+          <p:cNvCxnSpPr>
+            <a:cxnSpLocks/>
+          </p:cNvCxnSpPr>
+          <p:nvPr/>
+        </p:nvCxnSpPr>
+        <p:spPr>
+          <a:xfrm>
+            <a:off x="1891424" y="1872948"/>
+            <a:ext cx="1097280" cy="0"/>
+          </a:xfrm>
+          <a:prstGeom prst="line">
+            <a:avLst/>
+          </a:prstGeom>
+          <a:ln w="9525" cap="flat" cmpd="sng" algn="ctr">
+            <a:solidFill>
+              <a:schemeClr val="accent3"/>
+            </a:solidFill>
+            <a:prstDash val="dash"/>
+            <a:round/>
+            <a:headEnd type="none" w="med" len="med"/>
+            <a:tailEnd type="none" w="med" len="med"/>
+          </a:ln>
+        </p:spPr>
+        <p:style>
+          <a:lnRef idx="0">
+            <a:scrgbClr r="0" g="0" b="0"/>
+          </a:lnRef>
+          <a:fillRef idx="0">
+            <a:scrgbClr r="0" g="0" b="0"/>
+          </a:fillRef>
+          <a:effectRef idx="0">
+            <a:scrgbClr r="0" g="0" b="0"/>
+          </a:effectRef>
+          <a:fontRef idx="minor">
+            <a:schemeClr val="tx1"/>
+          </a:fontRef>
+        </p:style>
+      </p:cxnSp>
+      <p:cxnSp>
+        <p:nvCxnSpPr>
+          <p:cNvPr id="62" name="直接连接符 61">
+            <a:extLst>
+              <a:ext uri="{FF2B5EF4-FFF2-40B4-BE49-F238E27FC236}">
+                <a16:creationId xmlns:a16="http://schemas.microsoft.com/office/drawing/2014/main" id="{71513585-2402-4773-B202-B5A94B9B4E68}"/>
+              </a:ext>
+            </a:extLst>
+          </p:cNvPr>
+          <p:cNvCxnSpPr>
+            <a:cxnSpLocks/>
+          </p:cNvCxnSpPr>
+          <p:nvPr/>
+        </p:nvCxnSpPr>
+        <p:spPr>
+          <a:xfrm>
+            <a:off x="1891424" y="2574165"/>
+            <a:ext cx="1097280" cy="0"/>
+          </a:xfrm>
+          <a:prstGeom prst="line">
+            <a:avLst/>
+          </a:prstGeom>
+          <a:ln w="9525" cap="flat" cmpd="sng" algn="ctr">
+            <a:solidFill>
+              <a:schemeClr val="accent3"/>
+            </a:solidFill>
+            <a:prstDash val="dash"/>
+            <a:round/>
+            <a:headEnd type="none" w="med" len="med"/>
+            <a:tailEnd type="none" w="med" len="med"/>
+          </a:ln>
+        </p:spPr>
+        <p:style>
+          <a:lnRef idx="0">
+            <a:scrgbClr r="0" g="0" b="0"/>
+          </a:lnRef>
+          <a:fillRef idx="0">
+            <a:scrgbClr r="0" g="0" b="0"/>
+          </a:fillRef>
+          <a:effectRef idx="0">
+            <a:scrgbClr r="0" g="0" b="0"/>
+          </a:effectRef>
+          <a:fontRef idx="minor">
+            <a:schemeClr val="tx1"/>
+          </a:fontRef>
+        </p:style>
+      </p:cxnSp>
+      <p:cxnSp>
+        <p:nvCxnSpPr>
+          <p:cNvPr id="64" name="直接连接符 63">
+            <a:extLst>
+              <a:ext uri="{FF2B5EF4-FFF2-40B4-BE49-F238E27FC236}">
+                <a16:creationId xmlns:a16="http://schemas.microsoft.com/office/drawing/2014/main" id="{F11B205F-0707-4A55-ACA4-3B1022C2AD5E}"/>
+              </a:ext>
+            </a:extLst>
+          </p:cNvPr>
+          <p:cNvCxnSpPr>
+            <a:cxnSpLocks/>
+          </p:cNvCxnSpPr>
+          <p:nvPr/>
+        </p:nvCxnSpPr>
+        <p:spPr>
+          <a:xfrm flipV="1">
+            <a:off x="1484007" y="2343059"/>
+            <a:ext cx="1463040" cy="0"/>
+          </a:xfrm>
+          <a:prstGeom prst="line">
+            <a:avLst/>
+          </a:prstGeom>
+          <a:ln w="9525" cap="flat" cmpd="sng" algn="ctr">
+            <a:solidFill>
+              <a:schemeClr val="accent3"/>
+            </a:solidFill>
+            <a:prstDash val="dash"/>
+            <a:round/>
+            <a:headEnd type="none" w="med" len="med"/>
+            <a:tailEnd type="none" w="med" len="med"/>
+          </a:ln>
+        </p:spPr>
+        <p:style>
+          <a:lnRef idx="0">
+            <a:scrgbClr r="0" g="0" b="0"/>
+          </a:lnRef>
+          <a:fillRef idx="0">
+            <a:scrgbClr r="0" g="0" b="0"/>
+          </a:fillRef>
+          <a:effectRef idx="0">
+            <a:scrgbClr r="0" g="0" b="0"/>
+          </a:effectRef>
+          <a:fontRef idx="minor">
+            <a:schemeClr val="tx1"/>
+          </a:fontRef>
+        </p:style>
+      </p:cxnSp>
+      <p:cxnSp>
+        <p:nvCxnSpPr>
+          <p:cNvPr id="69" name="直接连接符 68">
+            <a:extLst>
+              <a:ext uri="{FF2B5EF4-FFF2-40B4-BE49-F238E27FC236}">
+                <a16:creationId xmlns:a16="http://schemas.microsoft.com/office/drawing/2014/main" id="{C23963EC-181B-4C8C-91B5-30994438B94F}"/>
+              </a:ext>
+            </a:extLst>
+          </p:cNvPr>
+          <p:cNvCxnSpPr>
+            <a:cxnSpLocks/>
+          </p:cNvCxnSpPr>
+          <p:nvPr/>
+        </p:nvCxnSpPr>
+        <p:spPr>
+          <a:xfrm>
+            <a:off x="1489483" y="2101314"/>
+            <a:ext cx="1463040" cy="0"/>
+          </a:xfrm>
+          <a:prstGeom prst="line">
+            <a:avLst/>
+          </a:prstGeom>
+          <a:ln w="9525" cap="flat" cmpd="sng" algn="ctr">
+            <a:solidFill>
+              <a:schemeClr val="accent3"/>
+            </a:solidFill>
+            <a:prstDash val="dash"/>
+            <a:round/>
+            <a:headEnd type="none" w="med" len="med"/>
+            <a:tailEnd type="none" w="med" len="med"/>
+          </a:ln>
+        </p:spPr>
+        <p:style>
+          <a:lnRef idx="0">
+            <a:scrgbClr r="0" g="0" b="0"/>
+          </a:lnRef>
+          <a:fillRef idx="0">
+            <a:scrgbClr r="0" g="0" b="0"/>
+          </a:fillRef>
+          <a:effectRef idx="0">
+            <a:scrgbClr r="0" g="0" b="0"/>
+          </a:effectRef>
+          <a:fontRef idx="minor">
+            <a:schemeClr val="tx1"/>
+          </a:fontRef>
+        </p:style>
+      </p:cxnSp>
+      <p:cxnSp>
+        <p:nvCxnSpPr>
+          <p:cNvPr id="83" name="直接连接符 82">
+            <a:extLst>
+              <a:ext uri="{FF2B5EF4-FFF2-40B4-BE49-F238E27FC236}">
+                <a16:creationId xmlns:a16="http://schemas.microsoft.com/office/drawing/2014/main" id="{2B1DA2A3-4ED3-4440-94B7-BBD22FB36479}"/>
+              </a:ext>
+            </a:extLst>
+          </p:cNvPr>
+          <p:cNvCxnSpPr>
+            <a:cxnSpLocks/>
+          </p:cNvCxnSpPr>
+          <p:nvPr/>
+        </p:nvCxnSpPr>
+        <p:spPr>
+          <a:xfrm flipH="1" flipV="1">
+            <a:off x="1489483" y="1635023"/>
+            <a:ext cx="401941" cy="237926"/>
+          </a:xfrm>
+          <a:prstGeom prst="line">
+            <a:avLst/>
+          </a:prstGeom>
+          <a:ln w="9525" cap="flat" cmpd="sng" algn="ctr">
+            <a:solidFill>
+              <a:schemeClr val="accent3"/>
+            </a:solidFill>
+            <a:prstDash val="dash"/>
+            <a:round/>
+            <a:headEnd type="none" w="med" len="med"/>
+            <a:tailEnd type="none" w="med" len="med"/>
+          </a:ln>
+        </p:spPr>
+        <p:style>
+          <a:lnRef idx="0">
+            <a:scrgbClr r="0" g="0" b="0"/>
+          </a:lnRef>
+          <a:fillRef idx="0">
+            <a:scrgbClr r="0" g="0" b="0"/>
+          </a:fillRef>
+          <a:effectRef idx="0">
+            <a:scrgbClr r="0" g="0" b="0"/>
+          </a:effectRef>
+          <a:fontRef idx="minor">
+            <a:schemeClr val="tx1"/>
+          </a:fontRef>
+        </p:style>
+      </p:cxnSp>
+      <p:cxnSp>
+        <p:nvCxnSpPr>
+          <p:cNvPr id="86" name="直接连接符 85">
+            <a:extLst>
+              <a:ext uri="{FF2B5EF4-FFF2-40B4-BE49-F238E27FC236}">
+                <a16:creationId xmlns:a16="http://schemas.microsoft.com/office/drawing/2014/main" id="{1DDB23F1-BC13-4F76-9BE4-AB93E1600A98}"/>
+              </a:ext>
+            </a:extLst>
+          </p:cNvPr>
+          <p:cNvCxnSpPr>
+            <a:cxnSpLocks/>
+          </p:cNvCxnSpPr>
+          <p:nvPr/>
+        </p:nvCxnSpPr>
+        <p:spPr>
+          <a:xfrm flipH="1">
+            <a:off x="1489483" y="2574165"/>
+            <a:ext cx="401940" cy="234636"/>
+          </a:xfrm>
+          <a:prstGeom prst="line">
+            <a:avLst/>
+          </a:prstGeom>
+          <a:ln w="9525" cap="flat" cmpd="sng" algn="ctr">
+            <a:solidFill>
+              <a:schemeClr val="accent3"/>
+            </a:solidFill>
+            <a:prstDash val="dash"/>
+            <a:round/>
+            <a:headEnd type="none" w="med" len="med"/>
+            <a:tailEnd type="none" w="med" len="med"/>
+          </a:ln>
+        </p:spPr>
+        <p:style>
+          <a:lnRef idx="0">
+            <a:scrgbClr r="0" g="0" b="0"/>
+          </a:lnRef>
+          <a:fillRef idx="0">
+            <a:scrgbClr r="0" g="0" b="0"/>
+          </a:fillRef>
+          <a:effectRef idx="0">
+            <a:scrgbClr r="0" g="0" b="0"/>
+          </a:effectRef>
+          <a:fontRef idx="minor">
+            <a:schemeClr val="tx1"/>
+          </a:fontRef>
+        </p:style>
+      </p:cxnSp>
       <p:sp>
         <p:nvSpPr>
           <p:cNvPr id="5" name="文本框 4">
@@ -4042,10 +3855,10 @@
       </p:sp>
       <p:grpSp>
         <p:nvGrpSpPr>
-          <p:cNvPr id="2" name="组合 1">
-            <a:extLst>
-              <a:ext uri="{FF2B5EF4-FFF2-40B4-BE49-F238E27FC236}">
-                <a16:creationId xmlns:a16="http://schemas.microsoft.com/office/drawing/2014/main" id="{B75E67AD-DC70-462C-926A-C0064ADB38AC}"/>
+          <p:cNvPr id="22" name="组合 21">
+            <a:extLst>
+              <a:ext uri="{FF2B5EF4-FFF2-40B4-BE49-F238E27FC236}">
+                <a16:creationId xmlns:a16="http://schemas.microsoft.com/office/drawing/2014/main" id="{E7D4E32D-8E31-44A0-A677-EF1FE20A81F9}"/>
               </a:ext>
             </a:extLst>
           </p:cNvPr>
@@ -4054,18 +3867,18 @@
         </p:nvGrpSpPr>
         <p:grpSpPr>
           <a:xfrm>
-            <a:off x="6833631" y="1601158"/>
-            <a:ext cx="260762" cy="1285852"/>
-            <a:chOff x="4382532" y="4124223"/>
-            <a:chExt cx="260762" cy="1285852"/>
+            <a:off x="1007756" y="1290056"/>
+            <a:ext cx="476250" cy="1886426"/>
+            <a:chOff x="2261625" y="1357253"/>
+            <a:chExt cx="476250" cy="1886426"/>
           </a:xfrm>
         </p:grpSpPr>
         <p:pic>
           <p:nvPicPr>
-            <p:cNvPr id="25" name="图片 24">
+            <p:cNvPr id="23" name="图片 22">
               <a:extLst>
                 <a:ext uri="{FF2B5EF4-FFF2-40B4-BE49-F238E27FC236}">
-                  <a16:creationId xmlns:a16="http://schemas.microsoft.com/office/drawing/2014/main" id="{37126308-0125-4A61-8548-BB4E1513B07D}"/>
+                  <a16:creationId xmlns:a16="http://schemas.microsoft.com/office/drawing/2014/main" id="{2725DBFD-9386-4099-AD05-B68C0B14B4A0}"/>
                 </a:ext>
               </a:extLst>
             </p:cNvPr>
@@ -4088,8 +3901,8 @@
           </p:blipFill>
           <p:spPr>
             <a:xfrm>
-              <a:off x="4382532" y="4124223"/>
-              <a:ext cx="260762" cy="260760"/>
+              <a:off x="2261625" y="1827312"/>
+              <a:ext cx="476250" cy="476250"/>
             </a:xfrm>
             <a:prstGeom prst="rect">
               <a:avLst/>
@@ -4098,10 +3911,10 @@
         </p:pic>
         <p:pic>
           <p:nvPicPr>
-            <p:cNvPr id="26" name="图片 25">
+            <p:cNvPr id="24" name="图片 23">
               <a:extLst>
                 <a:ext uri="{FF2B5EF4-FFF2-40B4-BE49-F238E27FC236}">
-                  <a16:creationId xmlns:a16="http://schemas.microsoft.com/office/drawing/2014/main" id="{D43424B8-FD8A-40A7-BA9C-3B9B28427892}"/>
+                  <a16:creationId xmlns:a16="http://schemas.microsoft.com/office/drawing/2014/main" id="{94ED9535-D1C1-42FA-930D-676D411F2B17}"/>
                 </a:ext>
               </a:extLst>
             </p:cNvPr>
@@ -4124,8 +3937,8 @@
           </p:blipFill>
           <p:spPr>
             <a:xfrm>
-              <a:off x="4382532" y="4465920"/>
-              <a:ext cx="260762" cy="260760"/>
+              <a:off x="2261625" y="1357253"/>
+              <a:ext cx="476250" cy="476250"/>
             </a:xfrm>
             <a:prstGeom prst="rect">
               <a:avLst/>
@@ -4134,10 +3947,10 @@
         </p:pic>
         <p:pic>
           <p:nvPicPr>
-            <p:cNvPr id="27" name="图片 26">
+            <p:cNvPr id="29" name="图片 28">
               <a:extLst>
                 <a:ext uri="{FF2B5EF4-FFF2-40B4-BE49-F238E27FC236}">
-                  <a16:creationId xmlns:a16="http://schemas.microsoft.com/office/drawing/2014/main" id="{E7DFF96D-EFCF-411F-A96C-0982E2CB0AA5}"/>
+                  <a16:creationId xmlns:a16="http://schemas.microsoft.com/office/drawing/2014/main" id="{E1B15D79-0094-4D8C-9AD8-1B1D8C9B6F3C}"/>
                 </a:ext>
               </a:extLst>
             </p:cNvPr>
@@ -4160,8 +3973,8 @@
           </p:blipFill>
           <p:spPr>
             <a:xfrm>
-              <a:off x="4382532" y="4807618"/>
-              <a:ext cx="260762" cy="260760"/>
+              <a:off x="2261625" y="2767429"/>
+              <a:ext cx="476250" cy="476250"/>
             </a:xfrm>
             <a:prstGeom prst="rect">
               <a:avLst/>
@@ -4170,10 +3983,10 @@
         </p:pic>
         <p:pic>
           <p:nvPicPr>
-            <p:cNvPr id="28" name="图片 27">
+            <p:cNvPr id="30" name="图片 29">
               <a:extLst>
                 <a:ext uri="{FF2B5EF4-FFF2-40B4-BE49-F238E27FC236}">
-                  <a16:creationId xmlns:a16="http://schemas.microsoft.com/office/drawing/2014/main" id="{F26BB28F-8841-4089-94D8-F8433A1D9031}"/>
+                  <a16:creationId xmlns:a16="http://schemas.microsoft.com/office/drawing/2014/main" id="{947E7C36-7CD4-49F4-93BD-C1136AED8B83}"/>
                 </a:ext>
               </a:extLst>
             </p:cNvPr>
@@ -4196,8 +4009,173 @@
           </p:blipFill>
           <p:spPr>
             <a:xfrm>
-              <a:off x="4382532" y="5149315"/>
-              <a:ext cx="260762" cy="260760"/>
+              <a:off x="2261625" y="2297371"/>
+              <a:ext cx="476250" cy="476250"/>
+            </a:xfrm>
+            <a:prstGeom prst="rect">
+              <a:avLst/>
+            </a:prstGeom>
+          </p:spPr>
+        </p:pic>
+      </p:grpSp>
+      <p:grpSp>
+        <p:nvGrpSpPr>
+          <p:cNvPr id="3" name="组合 2">
+            <a:extLst>
+              <a:ext uri="{FF2B5EF4-FFF2-40B4-BE49-F238E27FC236}">
+                <a16:creationId xmlns:a16="http://schemas.microsoft.com/office/drawing/2014/main" id="{4A87C5E1-6289-4842-BE3C-66033B403B1E}"/>
+              </a:ext>
+            </a:extLst>
+          </p:cNvPr>
+          <p:cNvGrpSpPr/>
+          <p:nvPr/>
+        </p:nvGrpSpPr>
+        <p:grpSpPr>
+          <a:xfrm>
+            <a:off x="6884220" y="1641910"/>
+            <a:ext cx="266700" cy="1217219"/>
+            <a:chOff x="6884220" y="1641910"/>
+            <a:chExt cx="266700" cy="1217219"/>
+          </a:xfrm>
+        </p:grpSpPr>
+        <p:pic>
+          <p:nvPicPr>
+            <p:cNvPr id="41" name="图片 40">
+              <a:extLst>
+                <a:ext uri="{FF2B5EF4-FFF2-40B4-BE49-F238E27FC236}">
+                  <a16:creationId xmlns:a16="http://schemas.microsoft.com/office/drawing/2014/main" id="{CA9C3071-9603-40A9-8222-381D7D4E7FEB}"/>
+                </a:ext>
+              </a:extLst>
+            </p:cNvPr>
+            <p:cNvPicPr>
+              <a:picLocks noChangeAspect="1"/>
+            </p:cNvPicPr>
+            <p:nvPr/>
+          </p:nvPicPr>
+          <p:blipFill>
+            <a:blip r:embed="rId3">
+              <a:extLst>
+                <a:ext uri="{28A0092B-C50C-407E-A947-70E740481C1C}">
+                  <a14:useLocalDpi xmlns:a14="http://schemas.microsoft.com/office/drawing/2010/main" val="0"/>
+                </a:ext>
+              </a:extLst>
+            </a:blip>
+            <a:stretch>
+              <a:fillRect/>
+            </a:stretch>
+          </p:blipFill>
+          <p:spPr>
+            <a:xfrm>
+              <a:off x="6884220" y="1958750"/>
+              <a:ext cx="266700" cy="266700"/>
+            </a:xfrm>
+            <a:prstGeom prst="rect">
+              <a:avLst/>
+            </a:prstGeom>
+          </p:spPr>
+        </p:pic>
+        <p:pic>
+          <p:nvPicPr>
+            <p:cNvPr id="42" name="图片 41">
+              <a:extLst>
+                <a:ext uri="{FF2B5EF4-FFF2-40B4-BE49-F238E27FC236}">
+                  <a16:creationId xmlns:a16="http://schemas.microsoft.com/office/drawing/2014/main" id="{E6A2B3EE-279E-430C-8486-B5F9943BC5E2}"/>
+                </a:ext>
+              </a:extLst>
+            </p:cNvPr>
+            <p:cNvPicPr>
+              <a:picLocks noChangeAspect="1"/>
+            </p:cNvPicPr>
+            <p:nvPr/>
+          </p:nvPicPr>
+          <p:blipFill>
+            <a:blip r:embed="rId4">
+              <a:extLst>
+                <a:ext uri="{28A0092B-C50C-407E-A947-70E740481C1C}">
+                  <a14:useLocalDpi xmlns:a14="http://schemas.microsoft.com/office/drawing/2010/main" val="0"/>
+                </a:ext>
+              </a:extLst>
+            </a:blip>
+            <a:stretch>
+              <a:fillRect/>
+            </a:stretch>
+          </p:blipFill>
+          <p:spPr>
+            <a:xfrm>
+              <a:off x="6884220" y="1641910"/>
+              <a:ext cx="266700" cy="266700"/>
+            </a:xfrm>
+            <a:prstGeom prst="rect">
+              <a:avLst/>
+            </a:prstGeom>
+          </p:spPr>
+        </p:pic>
+        <p:pic>
+          <p:nvPicPr>
+            <p:cNvPr id="43" name="图片 42">
+              <a:extLst>
+                <a:ext uri="{FF2B5EF4-FFF2-40B4-BE49-F238E27FC236}">
+                  <a16:creationId xmlns:a16="http://schemas.microsoft.com/office/drawing/2014/main" id="{0ADC9064-80EA-4C1A-8C1A-38BEC1DDF0F3}"/>
+                </a:ext>
+              </a:extLst>
+            </p:cNvPr>
+            <p:cNvPicPr>
+              <a:picLocks noChangeAspect="1"/>
+            </p:cNvPicPr>
+            <p:nvPr/>
+          </p:nvPicPr>
+          <p:blipFill>
+            <a:blip r:embed="rId5">
+              <a:extLst>
+                <a:ext uri="{28A0092B-C50C-407E-A947-70E740481C1C}">
+                  <a14:useLocalDpi xmlns:a14="http://schemas.microsoft.com/office/drawing/2010/main" val="0"/>
+                </a:ext>
+              </a:extLst>
+            </a:blip>
+            <a:stretch>
+              <a:fillRect/>
+            </a:stretch>
+          </p:blipFill>
+          <p:spPr>
+            <a:xfrm>
+              <a:off x="6884220" y="2592429"/>
+              <a:ext cx="266700" cy="266700"/>
+            </a:xfrm>
+            <a:prstGeom prst="rect">
+              <a:avLst/>
+            </a:prstGeom>
+          </p:spPr>
+        </p:pic>
+        <p:pic>
+          <p:nvPicPr>
+            <p:cNvPr id="44" name="图片 43">
+              <a:extLst>
+                <a:ext uri="{FF2B5EF4-FFF2-40B4-BE49-F238E27FC236}">
+                  <a16:creationId xmlns:a16="http://schemas.microsoft.com/office/drawing/2014/main" id="{2002B381-D04D-4871-9F43-F79C8C9B30A5}"/>
+                </a:ext>
+              </a:extLst>
+            </p:cNvPr>
+            <p:cNvPicPr>
+              <a:picLocks noChangeAspect="1"/>
+            </p:cNvPicPr>
+            <p:nvPr/>
+          </p:nvPicPr>
+          <p:blipFill>
+            <a:blip r:embed="rId6">
+              <a:extLst>
+                <a:ext uri="{28A0092B-C50C-407E-A947-70E740481C1C}">
+                  <a14:useLocalDpi xmlns:a14="http://schemas.microsoft.com/office/drawing/2010/main" val="0"/>
+                </a:ext>
+              </a:extLst>
+            </a:blip>
+            <a:stretch>
+              <a:fillRect/>
+            </a:stretch>
+          </p:blipFill>
+          <p:spPr>
+            <a:xfrm>
+              <a:off x="6884220" y="2275589"/>
+              <a:ext cx="266700" cy="266700"/>
             </a:xfrm>
             <a:prstGeom prst="rect">
               <a:avLst/>
